--- a/mod_02_python_intro/mod_02.pptx
+++ b/mod_02_python_intro/mod_02.pptx
@@ -9121,7 +9121,7 @@
             <a:tbl>
               <a:tblPr>
                 <a:noFill/>
-                <a:tableStyleId>{16724B51-2CCE-438A-BA61-7A34949D1C04}</a:tableStyleId>
+                <a:tableStyleId>{F5EB8570-1AE9-4352-A72D-7484CE7A61D0}</a:tableStyleId>
               </a:tblPr>
               <a:tblGrid>
                 <a:gridCol w="2413000"/>
@@ -9843,7 +9843,7 @@
             <a:tbl>
               <a:tblPr>
                 <a:noFill/>
-                <a:tableStyleId>{16724B51-2CCE-438A-BA61-7A34949D1C04}</a:tableStyleId>
+                <a:tableStyleId>{F5EB8570-1AE9-4352-A72D-7484CE7A61D0}</a:tableStyleId>
               </a:tblPr>
               <a:tblGrid>
                 <a:gridCol w="1756175"/>
@@ -10752,7 +10752,7 @@
             <a:tbl>
               <a:tblPr>
                 <a:noFill/>
-                <a:tableStyleId>{16724B51-2CCE-438A-BA61-7A34949D1C04}</a:tableStyleId>
+                <a:tableStyleId>{F5EB8570-1AE9-4352-A72D-7484CE7A61D0}</a:tableStyleId>
               </a:tblPr>
               <a:tblGrid>
                 <a:gridCol w="2413000"/>
